--- a/CI CD With SPFx - Webinar/SPFx Webinar - CICD with SPFx- Dhaval Shah.pptx
+++ b/CI CD With SPFx - Webinar/SPFx Webinar - CICD with SPFx- Dhaval Shah.pptx
@@ -138,7 +138,7 @@
 <file path=ppt/revisionInfo.xml><?xml version="1.0" encoding="utf-8"?>
 <p1510:revInfo xmlns:a="http://schemas.openxmlformats.org/drawingml/2006/main" xmlns:r="http://schemas.openxmlformats.org/officeDocument/2006/relationships" xmlns:p1510="http://schemas.microsoft.com/office/powerpoint/2015/10/main">
   <p1510:revLst>
-    <p1510:client id="{8A525B21-CB53-4B3D-83A5-F69B26C4A226}" v="1123" dt="2020-05-27T00:38:37.665"/>
+    <p1510:client id="{8A525B21-CB53-4B3D-83A5-F69B26C4A226}" v="1133" dt="2020-05-27T13:59:01.324"/>
   </p1510:revLst>
 </p1510:revInfo>
 </file>
@@ -148,7 +148,7 @@
   <pc:docChgLst>
     <pc:chgData name="Dhaval Shah" userId="06fe59d1-18c0-4742-a791-83e3bee52ad0" providerId="ADAL" clId="{8A525B21-CB53-4B3D-83A5-F69B26C4A226}"/>
     <pc:docChg chg="undo custSel addSld delSld modSld sldOrd">
-      <pc:chgData name="Dhaval Shah" userId="06fe59d1-18c0-4742-a791-83e3bee52ad0" providerId="ADAL" clId="{8A525B21-CB53-4B3D-83A5-F69B26C4A226}" dt="2020-05-27T00:38:37.664" v="3590" actId="20577"/>
+      <pc:chgData name="Dhaval Shah" userId="06fe59d1-18c0-4742-a791-83e3bee52ad0" providerId="ADAL" clId="{8A525B21-CB53-4B3D-83A5-F69B26C4A226}" dt="2020-05-27T13:59:12.382" v="3602" actId="20577"/>
       <pc:docMkLst>
         <pc:docMk/>
       </pc:docMkLst>
@@ -696,7 +696,7 @@
         </pc:spChg>
       </pc:sldChg>
       <pc:sldChg chg="addSp delSp modSp add mod">
-        <pc:chgData name="Dhaval Shah" userId="06fe59d1-18c0-4742-a791-83e3bee52ad0" providerId="ADAL" clId="{8A525B21-CB53-4B3D-83A5-F69B26C4A226}" dt="2020-05-27T00:38:37.664" v="3590" actId="20577"/>
+        <pc:chgData name="Dhaval Shah" userId="06fe59d1-18c0-4742-a791-83e3bee52ad0" providerId="ADAL" clId="{8A525B21-CB53-4B3D-83A5-F69B26C4A226}" dt="2020-05-27T13:59:12.382" v="3602" actId="20577"/>
         <pc:sldMkLst>
           <pc:docMk/>
           <pc:sldMk cId="3700874403" sldId="1600"/>
@@ -718,7 +718,7 @@
           </ac:spMkLst>
         </pc:spChg>
         <pc:spChg chg="mod">
-          <ac:chgData name="Dhaval Shah" userId="06fe59d1-18c0-4742-a791-83e3bee52ad0" providerId="ADAL" clId="{8A525B21-CB53-4B3D-83A5-F69B26C4A226}" dt="2020-05-26T14:55:57.646" v="1447" actId="20577"/>
+          <ac:chgData name="Dhaval Shah" userId="06fe59d1-18c0-4742-a791-83e3bee52ad0" providerId="ADAL" clId="{8A525B21-CB53-4B3D-83A5-F69B26C4A226}" dt="2020-05-27T13:59:12.382" v="3602" actId="20577"/>
           <ac:spMkLst>
             <pc:docMk/>
             <pc:sldMk cId="3700874403" sldId="1600"/>
@@ -742,7 +742,7 @@
           </ac:graphicFrameMkLst>
         </pc:graphicFrameChg>
         <pc:graphicFrameChg chg="add mod modGraphic">
-          <ac:chgData name="Dhaval Shah" userId="06fe59d1-18c0-4742-a791-83e3bee52ad0" providerId="ADAL" clId="{8A525B21-CB53-4B3D-83A5-F69B26C4A226}" dt="2020-05-27T00:38:37.664" v="3590" actId="20577"/>
+          <ac:chgData name="Dhaval Shah" userId="06fe59d1-18c0-4742-a791-83e3bee52ad0" providerId="ADAL" clId="{8A525B21-CB53-4B3D-83A5-F69B26C4A226}" dt="2020-05-27T13:59:01.324" v="3600" actId="20577"/>
           <ac:graphicFrameMkLst>
             <pc:docMk/>
             <pc:sldMk cId="3700874403" sldId="1600"/>
@@ -3861,7 +3861,7 @@
         <a:p>
           <a:r>
             <a:rPr lang="en-US" sz="2400" dirty="0"/>
-            <a:t>Continuous Development</a:t>
+            <a:t>Continuous Deployment</a:t>
           </a:r>
         </a:p>
       </dgm:t>
@@ -5742,7 +5742,7 @@
           </a:pPr>
           <a:r>
             <a:rPr lang="en-US" sz="2400" kern="1200" dirty="0"/>
-            <a:t>Continuous Development</a:t>
+            <a:t>Continuous Deployment</a:t>
           </a:r>
         </a:p>
       </dsp:txBody>
@@ -11062,7 +11062,7 @@
           <a:p>
             <a:fld id="{2606C8FE-A40F-4EFA-9399-CBDFD77EB4EF}" type="datetimeFigureOut">
               <a:rPr lang="en-US" smtClean="0"/>
-              <a:t>5/26/2020</a:t>
+              <a:t>5/27/2020</a:t>
             </a:fld>
             <a:endParaRPr lang="en-US"/>
           </a:p>
@@ -22321,7 +22321,7 @@
                 </a:ln>
                 <a:extLst>
                   <a:ext uri="{91240B29-F687-4f45-9708-019B960494DF}">
-                    <a14:hiddenLine xmlns="" xmlns:a14="http://schemas.microsoft.com/office/drawing/2010/main" w="9525">
+                    <a14:hiddenLine xmlns:a14="http://schemas.microsoft.com/office/drawing/2010/main" xmlns="" w="9525">
                       <a:solidFill>
                         <a:srgbClr val="000000"/>
                       </a:solidFill>
@@ -22543,7 +22543,7 @@
                 </a:ln>
                 <a:extLst>
                   <a:ext uri="{91240B29-F687-4f45-9708-019B960494DF}">
-                    <a14:hiddenLine xmlns="" xmlns:a14="http://schemas.microsoft.com/office/drawing/2010/main" w="9525">
+                    <a14:hiddenLine xmlns:a14="http://schemas.microsoft.com/office/drawing/2010/main" xmlns="" w="9525">
                       <a:solidFill>
                         <a:srgbClr val="000000"/>
                       </a:solidFill>
@@ -23992,7 +23992,7 @@
             <p:ph sz="half" idx="1"/>
             <p:extLst>
               <p:ext uri="{D42A27DB-BD31-4B8C-83A1-F6EECF244321}">
-                <p14:modId xmlns:p14="http://schemas.microsoft.com/office/powerpoint/2010/main" val="3624997061"/>
+                <p14:modId xmlns:p14="http://schemas.microsoft.com/office/powerpoint/2010/main" val="1089489776"/>
               </p:ext>
             </p:extLst>
           </p:nvPr>
@@ -24032,7 +24032,7 @@
           <a:p>
             <a:r>
               <a:rPr lang="en-US" dirty="0"/>
-              <a:t>Continuous Integration Continuous Deployment (CD/CD)</a:t>
+              <a:t>Continuous Integration Continuous Deployment (CI/CD)</a:t>
             </a:r>
           </a:p>
         </p:txBody>
